--- a/08_DataPen/Data_Elderly/Data_pour_joel/exemple_modelisation_psi_theta.pptx
+++ b/08_DataPen/Data_Elderly/Data_pour_joel/exemple_modelisation_psi_theta.pptx
@@ -108,6 +108,11 @@
       </a:defRPr>
     </a:lvl9pPr>
   </p:defaultTextStyle>
+  <p:extLst>
+    <p:ext uri="{EFAFB233-063F-42B5-8137-9DF3F51BA10A}">
+      <p15:sldGuideLst xmlns:p15="http://schemas.microsoft.com/office/powerpoint/2012/main"/>
+    </p:ext>
+  </p:extLst>
 </p:presentation>
 </file>
 
@@ -242,7 +247,7 @@
           <a:p>
             <a:fld id="{D372CD41-FA2C-4A31-943D-0E2C24B6A8B2}" type="datetimeFigureOut">
               <a:rPr lang="fr-FR" smtClean="0"/>
-              <a:t>25/11/2021</a:t>
+              <a:t>08/03/2022</a:t>
             </a:fld>
             <a:endParaRPr lang="fr-FR"/>
           </a:p>
@@ -412,7 +417,7 @@
           <a:p>
             <a:fld id="{D372CD41-FA2C-4A31-943D-0E2C24B6A8B2}" type="datetimeFigureOut">
               <a:rPr lang="fr-FR" smtClean="0"/>
-              <a:t>25/11/2021</a:t>
+              <a:t>08/03/2022</a:t>
             </a:fld>
             <a:endParaRPr lang="fr-FR"/>
           </a:p>
@@ -592,7 +597,7 @@
           <a:p>
             <a:fld id="{D372CD41-FA2C-4A31-943D-0E2C24B6A8B2}" type="datetimeFigureOut">
               <a:rPr lang="fr-FR" smtClean="0"/>
-              <a:t>25/11/2021</a:t>
+              <a:t>08/03/2022</a:t>
             </a:fld>
             <a:endParaRPr lang="fr-FR"/>
           </a:p>
@@ -762,7 +767,7 @@
           <a:p>
             <a:fld id="{D372CD41-FA2C-4A31-943D-0E2C24B6A8B2}" type="datetimeFigureOut">
               <a:rPr lang="fr-FR" smtClean="0"/>
-              <a:t>25/11/2021</a:t>
+              <a:t>08/03/2022</a:t>
             </a:fld>
             <a:endParaRPr lang="fr-FR"/>
           </a:p>
@@ -1008,7 +1013,7 @@
           <a:p>
             <a:fld id="{D372CD41-FA2C-4A31-943D-0E2C24B6A8B2}" type="datetimeFigureOut">
               <a:rPr lang="fr-FR" smtClean="0"/>
-              <a:t>25/11/2021</a:t>
+              <a:t>08/03/2022</a:t>
             </a:fld>
             <a:endParaRPr lang="fr-FR"/>
           </a:p>
@@ -1240,7 +1245,7 @@
           <a:p>
             <a:fld id="{D372CD41-FA2C-4A31-943D-0E2C24B6A8B2}" type="datetimeFigureOut">
               <a:rPr lang="fr-FR" smtClean="0"/>
-              <a:t>25/11/2021</a:t>
+              <a:t>08/03/2022</a:t>
             </a:fld>
             <a:endParaRPr lang="fr-FR"/>
           </a:p>
@@ -1607,7 +1612,7 @@
           <a:p>
             <a:fld id="{D372CD41-FA2C-4A31-943D-0E2C24B6A8B2}" type="datetimeFigureOut">
               <a:rPr lang="fr-FR" smtClean="0"/>
-              <a:t>25/11/2021</a:t>
+              <a:t>08/03/2022</a:t>
             </a:fld>
             <a:endParaRPr lang="fr-FR"/>
           </a:p>
@@ -1725,7 +1730,7 @@
           <a:p>
             <a:fld id="{D372CD41-FA2C-4A31-943D-0E2C24B6A8B2}" type="datetimeFigureOut">
               <a:rPr lang="fr-FR" smtClean="0"/>
-              <a:t>25/11/2021</a:t>
+              <a:t>08/03/2022</a:t>
             </a:fld>
             <a:endParaRPr lang="fr-FR"/>
           </a:p>
@@ -1820,7 +1825,7 @@
           <a:p>
             <a:fld id="{D372CD41-FA2C-4A31-943D-0E2C24B6A8B2}" type="datetimeFigureOut">
               <a:rPr lang="fr-FR" smtClean="0"/>
-              <a:t>25/11/2021</a:t>
+              <a:t>08/03/2022</a:t>
             </a:fld>
             <a:endParaRPr lang="fr-FR"/>
           </a:p>
@@ -2097,7 +2102,7 @@
           <a:p>
             <a:fld id="{D372CD41-FA2C-4A31-943D-0E2C24B6A8B2}" type="datetimeFigureOut">
               <a:rPr lang="fr-FR" smtClean="0"/>
-              <a:t>25/11/2021</a:t>
+              <a:t>08/03/2022</a:t>
             </a:fld>
             <a:endParaRPr lang="fr-FR"/>
           </a:p>
@@ -2350,7 +2355,7 @@
           <a:p>
             <a:fld id="{D372CD41-FA2C-4A31-943D-0E2C24B6A8B2}" type="datetimeFigureOut">
               <a:rPr lang="fr-FR" smtClean="0"/>
-              <a:t>25/11/2021</a:t>
+              <a:t>08/03/2022</a:t>
             </a:fld>
             <a:endParaRPr lang="fr-FR"/>
           </a:p>
@@ -2563,7 +2568,7 @@
           <a:p>
             <a:fld id="{D372CD41-FA2C-4A31-943D-0E2C24B6A8B2}" type="datetimeFigureOut">
               <a:rPr lang="fr-FR" smtClean="0"/>
-              <a:t>25/11/2021</a:t>
+              <a:t>08/03/2022</a:t>
             </a:fld>
             <a:endParaRPr lang="fr-FR"/>
           </a:p>
